--- a/Data/YELP DATA SUMMARY.pptx
+++ b/Data/YELP DATA SUMMARY.pptx
@@ -289,7 +289,8 @@
           <a:p>
             <a:fld id="{DDE9773B-17D1-4A5C-BD45-8344A9F8D24C}" type="datetimeFigureOut">
               <a:rPr lang="en-US" smtClean="0"/>
-              <a:t>12/28/2020</a:t>
+              <a:pPr/>
+              <a:t>12/29/2020</a:t>
             </a:fld>
             <a:endParaRPr lang="en-US"/>
           </a:p>
@@ -331,6 +332,7 @@
           <a:p>
             <a:fld id="{167A0984-5311-4808-9F56-BCD0AB944103}" type="slidenum">
               <a:rPr lang="en-US" smtClean="0"/>
+              <a:pPr/>
               <a:t>‹#›</a:t>
             </a:fld>
             <a:endParaRPr lang="en-US"/>
@@ -454,7 +456,8 @@
           <a:p>
             <a:fld id="{DDE9773B-17D1-4A5C-BD45-8344A9F8D24C}" type="datetimeFigureOut">
               <a:rPr lang="en-US" smtClean="0"/>
-              <a:t>12/28/2020</a:t>
+              <a:pPr/>
+              <a:t>12/29/2020</a:t>
             </a:fld>
             <a:endParaRPr lang="en-US"/>
           </a:p>
@@ -496,6 +499,7 @@
           <a:p>
             <a:fld id="{167A0984-5311-4808-9F56-BCD0AB944103}" type="slidenum">
               <a:rPr lang="en-US" smtClean="0"/>
+              <a:pPr/>
               <a:t>‹#›</a:t>
             </a:fld>
             <a:endParaRPr lang="en-US"/>
@@ -629,7 +633,8 @@
           <a:p>
             <a:fld id="{DDE9773B-17D1-4A5C-BD45-8344A9F8D24C}" type="datetimeFigureOut">
               <a:rPr lang="en-US" smtClean="0"/>
-              <a:t>12/28/2020</a:t>
+              <a:pPr/>
+              <a:t>12/29/2020</a:t>
             </a:fld>
             <a:endParaRPr lang="en-US"/>
           </a:p>
@@ -671,6 +676,7 @@
           <a:p>
             <a:fld id="{167A0984-5311-4808-9F56-BCD0AB944103}" type="slidenum">
               <a:rPr lang="en-US" smtClean="0"/>
+              <a:pPr/>
               <a:t>‹#›</a:t>
             </a:fld>
             <a:endParaRPr lang="en-US"/>
@@ -794,7 +800,8 @@
           <a:p>
             <a:fld id="{DDE9773B-17D1-4A5C-BD45-8344A9F8D24C}" type="datetimeFigureOut">
               <a:rPr lang="en-US" smtClean="0"/>
-              <a:t>12/28/2020</a:t>
+              <a:pPr/>
+              <a:t>12/29/2020</a:t>
             </a:fld>
             <a:endParaRPr lang="en-US"/>
           </a:p>
@@ -836,6 +843,7 @@
           <a:p>
             <a:fld id="{167A0984-5311-4808-9F56-BCD0AB944103}" type="slidenum">
               <a:rPr lang="en-US" smtClean="0"/>
+              <a:pPr/>
               <a:t>‹#›</a:t>
             </a:fld>
             <a:endParaRPr lang="en-US"/>
@@ -1035,7 +1043,8 @@
           <a:p>
             <a:fld id="{DDE9773B-17D1-4A5C-BD45-8344A9F8D24C}" type="datetimeFigureOut">
               <a:rPr lang="en-US" smtClean="0"/>
-              <a:t>12/28/2020</a:t>
+              <a:pPr/>
+              <a:t>12/29/2020</a:t>
             </a:fld>
             <a:endParaRPr lang="en-US"/>
           </a:p>
@@ -1077,6 +1086,7 @@
           <a:p>
             <a:fld id="{167A0984-5311-4808-9F56-BCD0AB944103}" type="slidenum">
               <a:rPr lang="en-US" smtClean="0"/>
+              <a:pPr/>
               <a:t>‹#›</a:t>
             </a:fld>
             <a:endParaRPr lang="en-US"/>
@@ -1318,7 +1328,8 @@
           <a:p>
             <a:fld id="{DDE9773B-17D1-4A5C-BD45-8344A9F8D24C}" type="datetimeFigureOut">
               <a:rPr lang="en-US" smtClean="0"/>
-              <a:t>12/28/2020</a:t>
+              <a:pPr/>
+              <a:t>12/29/2020</a:t>
             </a:fld>
             <a:endParaRPr lang="en-US"/>
           </a:p>
@@ -1360,6 +1371,7 @@
           <a:p>
             <a:fld id="{167A0984-5311-4808-9F56-BCD0AB944103}" type="slidenum">
               <a:rPr lang="en-US" smtClean="0"/>
+              <a:pPr/>
               <a:t>‹#›</a:t>
             </a:fld>
             <a:endParaRPr lang="en-US"/>
@@ -1735,7 +1747,8 @@
           <a:p>
             <a:fld id="{DDE9773B-17D1-4A5C-BD45-8344A9F8D24C}" type="datetimeFigureOut">
               <a:rPr lang="en-US" smtClean="0"/>
-              <a:t>12/28/2020</a:t>
+              <a:pPr/>
+              <a:t>12/29/2020</a:t>
             </a:fld>
             <a:endParaRPr lang="en-US"/>
           </a:p>
@@ -1777,6 +1790,7 @@
           <a:p>
             <a:fld id="{167A0984-5311-4808-9F56-BCD0AB944103}" type="slidenum">
               <a:rPr lang="en-US" smtClean="0"/>
+              <a:pPr/>
               <a:t>‹#›</a:t>
             </a:fld>
             <a:endParaRPr lang="en-US"/>
@@ -1848,7 +1862,8 @@
           <a:p>
             <a:fld id="{DDE9773B-17D1-4A5C-BD45-8344A9F8D24C}" type="datetimeFigureOut">
               <a:rPr lang="en-US" smtClean="0"/>
-              <a:t>12/28/2020</a:t>
+              <a:pPr/>
+              <a:t>12/29/2020</a:t>
             </a:fld>
             <a:endParaRPr lang="en-US"/>
           </a:p>
@@ -1890,6 +1905,7 @@
           <a:p>
             <a:fld id="{167A0984-5311-4808-9F56-BCD0AB944103}" type="slidenum">
               <a:rPr lang="en-US" smtClean="0"/>
+              <a:pPr/>
               <a:t>‹#›</a:t>
             </a:fld>
             <a:endParaRPr lang="en-US"/>
@@ -1938,7 +1954,8 @@
           <a:p>
             <a:fld id="{DDE9773B-17D1-4A5C-BD45-8344A9F8D24C}" type="datetimeFigureOut">
               <a:rPr lang="en-US" smtClean="0"/>
-              <a:t>12/28/2020</a:t>
+              <a:pPr/>
+              <a:t>12/29/2020</a:t>
             </a:fld>
             <a:endParaRPr lang="en-US"/>
           </a:p>
@@ -1980,6 +1997,7 @@
           <a:p>
             <a:fld id="{167A0984-5311-4808-9F56-BCD0AB944103}" type="slidenum">
               <a:rPr lang="en-US" smtClean="0"/>
+              <a:pPr/>
               <a:t>‹#›</a:t>
             </a:fld>
             <a:endParaRPr lang="en-US"/>
@@ -2210,7 +2228,8 @@
           <a:p>
             <a:fld id="{DDE9773B-17D1-4A5C-BD45-8344A9F8D24C}" type="datetimeFigureOut">
               <a:rPr lang="en-US" smtClean="0"/>
-              <a:t>12/28/2020</a:t>
+              <a:pPr/>
+              <a:t>12/29/2020</a:t>
             </a:fld>
             <a:endParaRPr lang="en-US"/>
           </a:p>
@@ -2252,6 +2271,7 @@
           <a:p>
             <a:fld id="{167A0984-5311-4808-9F56-BCD0AB944103}" type="slidenum">
               <a:rPr lang="en-US" smtClean="0"/>
+              <a:pPr/>
               <a:t>‹#›</a:t>
             </a:fld>
             <a:endParaRPr lang="en-US"/>
@@ -2458,7 +2478,8 @@
           <a:p>
             <a:fld id="{DDE9773B-17D1-4A5C-BD45-8344A9F8D24C}" type="datetimeFigureOut">
               <a:rPr lang="en-US" smtClean="0"/>
-              <a:t>12/28/2020</a:t>
+              <a:pPr/>
+              <a:t>12/29/2020</a:t>
             </a:fld>
             <a:endParaRPr lang="en-US"/>
           </a:p>
@@ -2500,6 +2521,7 @@
           <a:p>
             <a:fld id="{167A0984-5311-4808-9F56-BCD0AB944103}" type="slidenum">
               <a:rPr lang="en-US" smtClean="0"/>
+              <a:pPr/>
               <a:t>‹#›</a:t>
             </a:fld>
             <a:endParaRPr lang="en-US"/>
@@ -2666,7 +2688,8 @@
           <a:p>
             <a:fld id="{DDE9773B-17D1-4A5C-BD45-8344A9F8D24C}" type="datetimeFigureOut">
               <a:rPr lang="en-US" smtClean="0"/>
-              <a:t>12/28/2020</a:t>
+              <a:pPr/>
+              <a:t>12/29/2020</a:t>
             </a:fld>
             <a:endParaRPr lang="en-US"/>
           </a:p>
@@ -2744,6 +2767,7 @@
           <a:p>
             <a:fld id="{167A0984-5311-4808-9F56-BCD0AB944103}" type="slidenum">
               <a:rPr lang="en-US" smtClean="0"/>
+              <a:pPr/>
               <a:t>‹#›</a:t>
             </a:fld>
             <a:endParaRPr lang="en-US"/>
@@ -3309,7 +3333,11 @@
                     <a:bodyPr/>
                     <a:lstStyle/>
                     <a:p>
-                      <a:endParaRPr lang="en-US"/>
+                      <a:r>
+                        <a:rPr lang="en-IN" dirty="0" smtClean="0"/>
+                        <a:t>B: 750</a:t>
+                      </a:r>
+                      <a:endParaRPr lang="en-US" dirty="0"/>
                     </a:p>
                   </a:txBody>
                   <a:tcPr/>
@@ -3399,7 +3427,15 @@
                     <a:bodyPr/>
                     <a:lstStyle/>
                     <a:p>
-                      <a:endParaRPr lang="en-US"/>
+                      <a:r>
+                        <a:rPr lang="en-IN" dirty="0" smtClean="0"/>
+                        <a:t>B :</a:t>
+                      </a:r>
+                      <a:r>
+                        <a:rPr lang="en-IN" baseline="0" dirty="0" smtClean="0"/>
+                        <a:t> 6857</a:t>
+                      </a:r>
+                      <a:endParaRPr lang="en-US" dirty="0"/>
                     </a:p>
                   </a:txBody>
                   <a:tcPr/>
@@ -3485,6 +3521,10 @@
                     <a:bodyPr/>
                     <a:lstStyle/>
                     <a:p>
+                      <a:r>
+                        <a:rPr lang="en-IN" smtClean="0"/>
+                        <a:t>B : 132154</a:t>
+                      </a:r>
                       <a:endParaRPr lang="en-US"/>
                     </a:p>
                   </a:txBody>

--- a/Data/YELP DATA SUMMARY.pptx
+++ b/Data/YELP DATA SUMMARY.pptx
@@ -3611,6 +3611,14 @@
                     <a:bodyPr/>
                     <a:lstStyle/>
                     <a:p>
+                      <a:r>
+                        <a:rPr lang="en-IN" dirty="0" smtClean="0"/>
+                        <a:t>B : </a:t>
+                      </a:r>
+                      <a:r>
+                        <a:rPr lang="en-US" smtClean="0"/>
+                        <a:t>199368</a:t>
+                      </a:r>
                       <a:endParaRPr lang="en-US" dirty="0"/>
                     </a:p>
                   </a:txBody>

--- a/Data/YELP DATA SUMMARY.pptx
+++ b/Data/YELP DATA SUMMARY.pptx
@@ -290,7 +290,7 @@
             <a:fld id="{DDE9773B-17D1-4A5C-BD45-8344A9F8D24C}" type="datetimeFigureOut">
               <a:rPr lang="en-US" smtClean="0"/>
               <a:pPr/>
-              <a:t>12/29/2020</a:t>
+              <a:t>12/30/2020</a:t>
             </a:fld>
             <a:endParaRPr lang="en-US"/>
           </a:p>
@@ -457,7 +457,7 @@
             <a:fld id="{DDE9773B-17D1-4A5C-BD45-8344A9F8D24C}" type="datetimeFigureOut">
               <a:rPr lang="en-US" smtClean="0"/>
               <a:pPr/>
-              <a:t>12/29/2020</a:t>
+              <a:t>12/30/2020</a:t>
             </a:fld>
             <a:endParaRPr lang="en-US"/>
           </a:p>
@@ -634,7 +634,7 @@
             <a:fld id="{DDE9773B-17D1-4A5C-BD45-8344A9F8D24C}" type="datetimeFigureOut">
               <a:rPr lang="en-US" smtClean="0"/>
               <a:pPr/>
-              <a:t>12/29/2020</a:t>
+              <a:t>12/30/2020</a:t>
             </a:fld>
             <a:endParaRPr lang="en-US"/>
           </a:p>
@@ -801,7 +801,7 @@
             <a:fld id="{DDE9773B-17D1-4A5C-BD45-8344A9F8D24C}" type="datetimeFigureOut">
               <a:rPr lang="en-US" smtClean="0"/>
               <a:pPr/>
-              <a:t>12/29/2020</a:t>
+              <a:t>12/30/2020</a:t>
             </a:fld>
             <a:endParaRPr lang="en-US"/>
           </a:p>
@@ -1044,7 +1044,7 @@
             <a:fld id="{DDE9773B-17D1-4A5C-BD45-8344A9F8D24C}" type="datetimeFigureOut">
               <a:rPr lang="en-US" smtClean="0"/>
               <a:pPr/>
-              <a:t>12/29/2020</a:t>
+              <a:t>12/30/2020</a:t>
             </a:fld>
             <a:endParaRPr lang="en-US"/>
           </a:p>
@@ -1329,7 +1329,7 @@
             <a:fld id="{DDE9773B-17D1-4A5C-BD45-8344A9F8D24C}" type="datetimeFigureOut">
               <a:rPr lang="en-US" smtClean="0"/>
               <a:pPr/>
-              <a:t>12/29/2020</a:t>
+              <a:t>12/30/2020</a:t>
             </a:fld>
             <a:endParaRPr lang="en-US"/>
           </a:p>
@@ -1748,7 +1748,7 @@
             <a:fld id="{DDE9773B-17D1-4A5C-BD45-8344A9F8D24C}" type="datetimeFigureOut">
               <a:rPr lang="en-US" smtClean="0"/>
               <a:pPr/>
-              <a:t>12/29/2020</a:t>
+              <a:t>12/30/2020</a:t>
             </a:fld>
             <a:endParaRPr lang="en-US"/>
           </a:p>
@@ -1863,7 +1863,7 @@
             <a:fld id="{DDE9773B-17D1-4A5C-BD45-8344A9F8D24C}" type="datetimeFigureOut">
               <a:rPr lang="en-US" smtClean="0"/>
               <a:pPr/>
-              <a:t>12/29/2020</a:t>
+              <a:t>12/30/2020</a:t>
             </a:fld>
             <a:endParaRPr lang="en-US"/>
           </a:p>
@@ -1955,7 +1955,7 @@
             <a:fld id="{DDE9773B-17D1-4A5C-BD45-8344A9F8D24C}" type="datetimeFigureOut">
               <a:rPr lang="en-US" smtClean="0"/>
               <a:pPr/>
-              <a:t>12/29/2020</a:t>
+              <a:t>12/30/2020</a:t>
             </a:fld>
             <a:endParaRPr lang="en-US"/>
           </a:p>
@@ -2229,7 +2229,7 @@
             <a:fld id="{DDE9773B-17D1-4A5C-BD45-8344A9F8D24C}" type="datetimeFigureOut">
               <a:rPr lang="en-US" smtClean="0"/>
               <a:pPr/>
-              <a:t>12/29/2020</a:t>
+              <a:t>12/30/2020</a:t>
             </a:fld>
             <a:endParaRPr lang="en-US"/>
           </a:p>
@@ -2479,7 +2479,7 @@
             <a:fld id="{DDE9773B-17D1-4A5C-BD45-8344A9F8D24C}" type="datetimeFigureOut">
               <a:rPr lang="en-US" smtClean="0"/>
               <a:pPr/>
-              <a:t>12/29/2020</a:t>
+              <a:t>12/30/2020</a:t>
             </a:fld>
             <a:endParaRPr lang="en-US"/>
           </a:p>
@@ -2689,7 +2689,7 @@
             <a:fld id="{DDE9773B-17D1-4A5C-BD45-8344A9F8D24C}" type="datetimeFigureOut">
               <a:rPr lang="en-US" smtClean="0"/>
               <a:pPr/>
-              <a:t>12/29/2020</a:t>
+              <a:t>12/30/2020</a:t>
             </a:fld>
             <a:endParaRPr lang="en-US"/>
           </a:p>
@@ -3221,9 +3221,14 @@
                     <a:lstStyle/>
                     <a:p>
                       <a:r>
-                        <a:rPr lang="en-US" dirty="0"/>
-                        <a:t>TIMESTAMP (Y/N)</a:t>
-                      </a:r>
+                        <a:rPr lang="en-US" dirty="0" smtClean="0"/>
+                        <a:t>TIME</a:t>
+                      </a:r>
+                      <a:r>
+                        <a:rPr lang="en-US" baseline="0" dirty="0" smtClean="0"/>
+                        <a:t> Ranges</a:t>
+                      </a:r>
+                      <a:endParaRPr lang="en-US" dirty="0"/>
                     </a:p>
                   </a:txBody>
                   <a:tcPr/>
@@ -3319,10 +3324,6 @@
                     <a:bodyPr/>
                     <a:lstStyle/>
                     <a:p>
-                      <a:r>
-                        <a:rPr lang="en-IN" dirty="0" smtClean="0"/>
-                        <a:t>Y</a:t>
-                      </a:r>
                       <a:endParaRPr lang="en-US" dirty="0"/>
                     </a:p>
                   </a:txBody>
@@ -3335,7 +3336,17 @@
                     <a:p>
                       <a:r>
                         <a:rPr lang="en-IN" dirty="0" smtClean="0"/>
-                        <a:t>B: 750</a:t>
+                        <a:t>B: </a:t>
+                      </a:r>
+                      <a:r>
+                        <a:rPr lang="en-IN" dirty="0" smtClean="0"/>
+                        <a:t>750</a:t>
+                      </a:r>
+                    </a:p>
+                    <a:p>
+                      <a:r>
+                        <a:rPr lang="en-IN" dirty="0" smtClean="0"/>
+                        <a:t>F : 4275</a:t>
                       </a:r>
                       <a:endParaRPr lang="en-US" dirty="0"/>
                     </a:p>
@@ -3413,10 +3424,6 @@
                     <a:bodyPr/>
                     <a:lstStyle/>
                     <a:p>
-                      <a:r>
-                        <a:rPr lang="en-IN" dirty="0" smtClean="0"/>
-                        <a:t>Y</a:t>
-                      </a:r>
                       <a:endParaRPr lang="en-US" dirty="0"/>
                     </a:p>
                   </a:txBody>
@@ -3433,7 +3440,17 @@
                       </a:r>
                       <a:r>
                         <a:rPr lang="en-IN" baseline="0" dirty="0" smtClean="0"/>
-                        <a:t> 6857</a:t>
+                        <a:t> </a:t>
+                      </a:r>
+                      <a:r>
+                        <a:rPr lang="en-IN" baseline="0" dirty="0" smtClean="0"/>
+                        <a:t>6857</a:t>
+                      </a:r>
+                    </a:p>
+                    <a:p>
+                      <a:r>
+                        <a:rPr lang="en-IN" baseline="0" dirty="0" smtClean="0"/>
+                        <a:t>F : 27107</a:t>
                       </a:r>
                       <a:endParaRPr lang="en-US" dirty="0"/>
                     </a:p>
@@ -3507,10 +3524,6 @@
                     <a:bodyPr/>
                     <a:lstStyle/>
                     <a:p>
-                      <a:r>
-                        <a:rPr lang="en-IN" dirty="0" smtClean="0"/>
-                        <a:t>Y</a:t>
-                      </a:r>
                       <a:endParaRPr lang="en-US" dirty="0"/>
                     </a:p>
                   </a:txBody>
@@ -3522,10 +3535,20 @@
                     <a:lstStyle/>
                     <a:p>
                       <a:r>
-                        <a:rPr lang="en-IN" smtClean="0"/>
-                        <a:t>B : 132154</a:t>
-                      </a:r>
-                      <a:endParaRPr lang="en-US"/>
+                        <a:rPr lang="en-IN" dirty="0" smtClean="0"/>
+                        <a:t>B : </a:t>
+                      </a:r>
+                      <a:r>
+                        <a:rPr lang="en-IN" dirty="0" smtClean="0"/>
+                        <a:t>132154</a:t>
+                      </a:r>
+                    </a:p>
+                    <a:p>
+                      <a:r>
+                        <a:rPr lang="en-IN" dirty="0" smtClean="0"/>
+                        <a:t>F : 28071</a:t>
+                      </a:r>
+                      <a:endParaRPr lang="en-US" dirty="0"/>
                     </a:p>
                   </a:txBody>
                   <a:tcPr/>
@@ -3597,10 +3620,6 @@
                     <a:bodyPr/>
                     <a:lstStyle/>
                     <a:p>
-                      <a:r>
-                        <a:rPr lang="en-IN" dirty="0" smtClean="0"/>
-                        <a:t>Y</a:t>
-                      </a:r>
                       <a:endParaRPr lang="en-US" dirty="0"/>
                     </a:p>
                   </a:txBody>
@@ -3616,8 +3635,14 @@
                         <a:t>B : </a:t>
                       </a:r>
                       <a:r>
-                        <a:rPr lang="en-US" smtClean="0"/>
+                        <a:rPr lang="en-US" dirty="0" smtClean="0"/>
                         <a:t>199368</a:t>
+                      </a:r>
+                    </a:p>
+                    <a:p>
+                      <a:r>
+                        <a:rPr lang="en-IN" dirty="0" smtClean="0"/>
+                        <a:t>F : 60908</a:t>
                       </a:r>
                       <a:endParaRPr lang="en-US" dirty="0"/>
                     </a:p>

--- a/Data/YELP DATA SUMMARY.pptx
+++ b/Data/YELP DATA SUMMARY.pptx
@@ -3324,6 +3324,10 @@
                     <a:bodyPr/>
                     <a:lstStyle/>
                     <a:p>
+                      <a:r>
+                        <a:rPr lang="en-US" dirty="0" smtClean="0"/>
+                        <a:t>Min:1/1/2006 max:9/9/2012</a:t>
+                      </a:r>
                       <a:endParaRPr lang="en-US" dirty="0"/>
                     </a:p>
                   </a:txBody>
@@ -3336,11 +3340,7 @@
                     <a:p>
                       <a:r>
                         <a:rPr lang="en-IN" dirty="0" smtClean="0"/>
-                        <a:t>B: </a:t>
-                      </a:r>
-                      <a:r>
-                        <a:rPr lang="en-IN" dirty="0" smtClean="0"/>
-                        <a:t>750</a:t>
+                        <a:t>B: 750</a:t>
                       </a:r>
                     </a:p>
                     <a:p>
@@ -3424,6 +3424,10 @@
                     <a:bodyPr/>
                     <a:lstStyle/>
                     <a:p>
+                      <a:r>
+                        <a:rPr lang="en-US" dirty="0" smtClean="0"/>
+                        <a:t>Min:1/1/2006 max:9/9/2012</a:t>
+                      </a:r>
                       <a:endParaRPr lang="en-US" dirty="0"/>
                     </a:p>
                   </a:txBody>
@@ -3440,11 +3444,7 @@
                       </a:r>
                       <a:r>
                         <a:rPr lang="en-IN" baseline="0" dirty="0" smtClean="0"/>
-                        <a:t> </a:t>
-                      </a:r>
-                      <a:r>
-                        <a:rPr lang="en-IN" baseline="0" dirty="0" smtClean="0"/>
-                        <a:t>6857</a:t>
+                        <a:t> 6857</a:t>
                       </a:r>
                     </a:p>
                     <a:p>
@@ -3524,6 +3524,16 @@
                     <a:bodyPr/>
                     <a:lstStyle/>
                     <a:p>
+                      <a:r>
+                        <a:rPr lang="en-US" dirty="0" smtClean="0"/>
+                        <a:t>Min: 2004-10-20 </a:t>
+                      </a:r>
+                    </a:p>
+                    <a:p>
+                      <a:r>
+                        <a:rPr lang="en-US" dirty="0" smtClean="0"/>
+                        <a:t>max: 2015-01-07</a:t>
+                      </a:r>
                       <a:endParaRPr lang="en-US" dirty="0"/>
                     </a:p>
                   </a:txBody>
@@ -3536,11 +3546,7 @@
                     <a:p>
                       <a:r>
                         <a:rPr lang="en-IN" dirty="0" smtClean="0"/>
-                        <a:t>B : </a:t>
-                      </a:r>
-                      <a:r>
-                        <a:rPr lang="en-IN" dirty="0" smtClean="0"/>
-                        <a:t>132154</a:t>
+                        <a:t>B : 132154</a:t>
                       </a:r>
                     </a:p>
                     <a:p>
@@ -3620,6 +3626,17 @@
                     <a:bodyPr/>
                     <a:lstStyle/>
                     <a:p>
+                      <a:r>
+                        <a:rPr lang="en-US" smtClean="0"/>
+                        <a:t>Min: 2004-10-20</a:t>
+                      </a:r>
+                      <a:endParaRPr lang="en-US" dirty="0" smtClean="0"/>
+                    </a:p>
+                    <a:p>
+                      <a:r>
+                        <a:rPr lang="en-US" dirty="0" smtClean="0"/>
+                        <a:t>Max: 2015-01-10</a:t>
+                      </a:r>
                       <a:endParaRPr lang="en-US" dirty="0"/>
                     </a:p>
                   </a:txBody>
